--- a/zadditional/overview.pptx
+++ b/zadditional/overview.pptx
@@ -104,11 +104,12 @@
       </a:defRPr>
     </a:lvl9pPr>
   </p:defaultTextStyle>
+  <p:extLst>
+    <p:ext uri="{EFAFB233-063F-42B5-8137-9DF3F51BA10A}">
+      <p15:sldGuideLst xmlns:p15="http://schemas.microsoft.com/office/powerpoint/2012/main"/>
+    </p:ext>
+  </p:extLst>
 </p:presentation>
-</file>
-
-<file path=ppt/revisionInfo.xml><?xml version="1.0" encoding="utf-8"?>
-<p1510:revInfo xmlns:a="http://schemas.openxmlformats.org/drawingml/2006/main" xmlns:r="http://schemas.openxmlformats.org/officeDocument/2006/relationships" xmlns:p1510="http://schemas.microsoft.com/office/powerpoint/2015/10/main"/>
 </file>
 
 <file path=ppt/slideLayouts/slideLayout1.xml><?xml version="1.0" encoding="utf-8"?>
@@ -258,7 +259,7 @@
           <a:p>
             <a:fld id="{0CFBD873-DBD0-4707-9DB4-789466B59EAA}" type="datetimeFigureOut">
               <a:rPr lang="en-US" smtClean="0"/>
-              <a:t>11-Sep-17</a:t>
+              <a:t>9/13/20</a:t>
             </a:fld>
             <a:endParaRPr lang="en-US"/>
           </a:p>
@@ -456,7 +457,7 @@
           <a:p>
             <a:fld id="{0CFBD873-DBD0-4707-9DB4-789466B59EAA}" type="datetimeFigureOut">
               <a:rPr lang="en-US" smtClean="0"/>
-              <a:t>11-Sep-17</a:t>
+              <a:t>9/13/20</a:t>
             </a:fld>
             <a:endParaRPr lang="en-US"/>
           </a:p>
@@ -664,7 +665,7 @@
           <a:p>
             <a:fld id="{0CFBD873-DBD0-4707-9DB4-789466B59EAA}" type="datetimeFigureOut">
               <a:rPr lang="en-US" smtClean="0"/>
-              <a:t>11-Sep-17</a:t>
+              <a:t>9/13/20</a:t>
             </a:fld>
             <a:endParaRPr lang="en-US"/>
           </a:p>
@@ -862,7 +863,7 @@
           <a:p>
             <a:fld id="{0CFBD873-DBD0-4707-9DB4-789466B59EAA}" type="datetimeFigureOut">
               <a:rPr lang="en-US" smtClean="0"/>
-              <a:t>11-Sep-17</a:t>
+              <a:t>9/13/20</a:t>
             </a:fld>
             <a:endParaRPr lang="en-US"/>
           </a:p>
@@ -1137,7 +1138,7 @@
           <a:p>
             <a:fld id="{0CFBD873-DBD0-4707-9DB4-789466B59EAA}" type="datetimeFigureOut">
               <a:rPr lang="en-US" smtClean="0"/>
-              <a:t>11-Sep-17</a:t>
+              <a:t>9/13/20</a:t>
             </a:fld>
             <a:endParaRPr lang="en-US"/>
           </a:p>
@@ -1402,7 +1403,7 @@
           <a:p>
             <a:fld id="{0CFBD873-DBD0-4707-9DB4-789466B59EAA}" type="datetimeFigureOut">
               <a:rPr lang="en-US" smtClean="0"/>
-              <a:t>11-Sep-17</a:t>
+              <a:t>9/13/20</a:t>
             </a:fld>
             <a:endParaRPr lang="en-US"/>
           </a:p>
@@ -1814,7 +1815,7 @@
           <a:p>
             <a:fld id="{0CFBD873-DBD0-4707-9DB4-789466B59EAA}" type="datetimeFigureOut">
               <a:rPr lang="en-US" smtClean="0"/>
-              <a:t>11-Sep-17</a:t>
+              <a:t>9/13/20</a:t>
             </a:fld>
             <a:endParaRPr lang="en-US"/>
           </a:p>
@@ -1955,7 +1956,7 @@
           <a:p>
             <a:fld id="{0CFBD873-DBD0-4707-9DB4-789466B59EAA}" type="datetimeFigureOut">
               <a:rPr lang="en-US" smtClean="0"/>
-              <a:t>11-Sep-17</a:t>
+              <a:t>9/13/20</a:t>
             </a:fld>
             <a:endParaRPr lang="en-US"/>
           </a:p>
@@ -2068,7 +2069,7 @@
           <a:p>
             <a:fld id="{0CFBD873-DBD0-4707-9DB4-789466B59EAA}" type="datetimeFigureOut">
               <a:rPr lang="en-US" smtClean="0"/>
-              <a:t>11-Sep-17</a:t>
+              <a:t>9/13/20</a:t>
             </a:fld>
             <a:endParaRPr lang="en-US"/>
           </a:p>
@@ -2379,7 +2380,7 @@
           <a:p>
             <a:fld id="{0CFBD873-DBD0-4707-9DB4-789466B59EAA}" type="datetimeFigureOut">
               <a:rPr lang="en-US" smtClean="0"/>
-              <a:t>11-Sep-17</a:t>
+              <a:t>9/13/20</a:t>
             </a:fld>
             <a:endParaRPr lang="en-US"/>
           </a:p>
@@ -2667,7 +2668,7 @@
           <a:p>
             <a:fld id="{0CFBD873-DBD0-4707-9DB4-789466B59EAA}" type="datetimeFigureOut">
               <a:rPr lang="en-US" smtClean="0"/>
-              <a:t>11-Sep-17</a:t>
+              <a:t>9/13/20</a:t>
             </a:fld>
             <a:endParaRPr lang="en-US"/>
           </a:p>
@@ -2908,7 +2909,7 @@
           <a:p>
             <a:fld id="{0CFBD873-DBD0-4707-9DB4-789466B59EAA}" type="datetimeFigureOut">
               <a:rPr lang="en-US" smtClean="0"/>
-              <a:t>11-Sep-17</a:t>
+              <a:t>9/13/20</a:t>
             </a:fld>
             <a:endParaRPr lang="en-US"/>
           </a:p>
@@ -3377,10 +3378,10 @@
       </p:sp>
       <p:pic>
         <p:nvPicPr>
-          <p:cNvPr id="4" name="Picture 3">
-            <a:extLst>
-              <a:ext uri="{FF2B5EF4-FFF2-40B4-BE49-F238E27FC236}">
-                <a16:creationId xmlns:a16="http://schemas.microsoft.com/office/drawing/2014/main" id="{B7E8A31A-A48A-4974-B50B-904DF746457B}"/>
+          <p:cNvPr id="6" name="Picture 5" descr="A screenshot of a cell phone&#10;&#10;Description automatically generated">
+            <a:extLst>
+              <a:ext uri="{FF2B5EF4-FFF2-40B4-BE49-F238E27FC236}">
+                <a16:creationId xmlns:a16="http://schemas.microsoft.com/office/drawing/2014/main" id="{743ED501-3FC4-4349-9F39-5DD02BED69EF}"/>
               </a:ext>
             </a:extLst>
           </p:cNvPr>
@@ -3390,15 +3391,21 @@
           <p:nvPr/>
         </p:nvPicPr>
         <p:blipFill>
-          <a:blip r:embed="rId2"/>
+          <a:blip r:embed="rId2">
+            <a:extLst>
+              <a:ext uri="{28A0092B-C50C-407E-A947-70E740481C1C}">
+                <a14:useLocalDpi xmlns:a14="http://schemas.microsoft.com/office/drawing/2010/main" val="0"/>
+              </a:ext>
+            </a:extLst>
+          </a:blip>
           <a:stretch>
             <a:fillRect/>
           </a:stretch>
         </p:blipFill>
         <p:spPr>
           <a:xfrm>
-            <a:off x="1034010" y="0"/>
-            <a:ext cx="10123979" cy="6858000"/>
+            <a:off x="7323" y="98853"/>
+            <a:ext cx="12184677" cy="6326659"/>
           </a:xfrm>
           <a:prstGeom prst="rect">
             <a:avLst/>

--- a/zadditional/overview.pptx
+++ b/zadditional/overview.pptx
@@ -6,6 +6,7 @@
   </p:sldMasterIdLst>
   <p:sldIdLst>
     <p:sldId id="256" r:id="rId2"/>
+    <p:sldId id="257" r:id="rId3"/>
   </p:sldIdLst>
   <p:sldSz cx="12192000" cy="6858000"/>
   <p:notesSz cx="6858000" cy="9144000"/>
@@ -3425,6 +3426,114 @@
 </p:sld>
 </file>
 
+<file path=ppt/slides/slide2.xml><?xml version="1.0" encoding="utf-8"?>
+<p:sld xmlns:a="http://schemas.openxmlformats.org/drawingml/2006/main" xmlns:r="http://schemas.openxmlformats.org/officeDocument/2006/relationships" xmlns:p="http://schemas.openxmlformats.org/presentationml/2006/main">
+  <p:cSld>
+    <p:spTree>
+      <p:nvGrpSpPr>
+        <p:cNvPr id="1" name=""/>
+        <p:cNvGrpSpPr/>
+        <p:nvPr/>
+      </p:nvGrpSpPr>
+      <p:grpSpPr>
+        <a:xfrm>
+          <a:off x="0" y="0"/>
+          <a:ext cx="0" cy="0"/>
+          <a:chOff x="0" y="0"/>
+          <a:chExt cx="0" cy="0"/>
+        </a:xfrm>
+      </p:grpSpPr>
+      <p:sp>
+        <p:nvSpPr>
+          <p:cNvPr id="2" name="Title 1">
+            <a:extLst>
+              <a:ext uri="{FF2B5EF4-FFF2-40B4-BE49-F238E27FC236}">
+                <a16:creationId xmlns:a16="http://schemas.microsoft.com/office/drawing/2014/main" id="{03BDB840-AC82-2B4B-ACF9-C8C1982F0B2A}"/>
+              </a:ext>
+            </a:extLst>
+          </p:cNvPr>
+          <p:cNvSpPr>
+            <a:spLocks noGrp="1"/>
+          </p:cNvSpPr>
+          <p:nvPr>
+            <p:ph type="title"/>
+          </p:nvPr>
+        </p:nvSpPr>
+        <p:spPr/>
+        <p:txBody>
+          <a:bodyPr/>
+          <a:lstStyle/>
+          <a:p>
+            <a:endParaRPr lang="en-US"/>
+          </a:p>
+        </p:txBody>
+      </p:sp>
+      <p:sp>
+        <p:nvSpPr>
+          <p:cNvPr id="3" name="Content Placeholder 2">
+            <a:extLst>
+              <a:ext uri="{FF2B5EF4-FFF2-40B4-BE49-F238E27FC236}">
+                <a16:creationId xmlns:a16="http://schemas.microsoft.com/office/drawing/2014/main" id="{143A30AA-6FD5-5D4D-9810-E4F1F4CB2DD3}"/>
+              </a:ext>
+            </a:extLst>
+          </p:cNvPr>
+          <p:cNvSpPr>
+            <a:spLocks noGrp="1"/>
+          </p:cNvSpPr>
+          <p:nvPr>
+            <p:ph idx="1"/>
+          </p:nvPr>
+        </p:nvSpPr>
+        <p:spPr/>
+        <p:txBody>
+          <a:bodyPr/>
+          <a:lstStyle/>
+          <a:p>
+            <a:endParaRPr lang="en-US"/>
+          </a:p>
+        </p:txBody>
+      </p:sp>
+      <p:pic>
+        <p:nvPicPr>
+          <p:cNvPr id="4" name="Picture 3">
+            <a:extLst>
+              <a:ext uri="{FF2B5EF4-FFF2-40B4-BE49-F238E27FC236}">
+                <a16:creationId xmlns:a16="http://schemas.microsoft.com/office/drawing/2014/main" id="{657D3050-26AF-6D4C-A4A3-FD8C8831E524}"/>
+              </a:ext>
+            </a:extLst>
+          </p:cNvPr>
+          <p:cNvPicPr/>
+          <p:nvPr/>
+        </p:nvPicPr>
+        <p:blipFill>
+          <a:blip r:embed="rId2"/>
+          <a:stretch>
+            <a:fillRect/>
+          </a:stretch>
+        </p:blipFill>
+        <p:spPr>
+          <a:xfrm>
+            <a:off x="518984" y="254358"/>
+            <a:ext cx="10515600" cy="6109371"/>
+          </a:xfrm>
+          <a:prstGeom prst="rect">
+            <a:avLst/>
+          </a:prstGeom>
+        </p:spPr>
+      </p:pic>
+    </p:spTree>
+    <p:extLst>
+      <p:ext uri="{BB962C8B-B14F-4D97-AF65-F5344CB8AC3E}">
+        <p14:creationId xmlns:p14="http://schemas.microsoft.com/office/powerpoint/2010/main" val="1617709536"/>
+      </p:ext>
+    </p:extLst>
+  </p:cSld>
+  <p:clrMapOvr>
+    <a:masterClrMapping/>
+  </p:clrMapOvr>
+</p:sld>
+</file>
+
 <file path=ppt/theme/theme1.xml><?xml version="1.0" encoding="utf-8"?>
 <a:theme xmlns:a="http://schemas.openxmlformats.org/drawingml/2006/main" name="Office Theme">
   <a:themeElements>
